--- a/slides/drafts/07-install-hadoop-on-ubuntu.pptx
+++ b/slides/drafts/07-install-hadoop-on-ubuntu.pptx
@@ -210,7 +210,7 @@
           <a:p>
             <a:fld id="{E639C04F-374B-4850-9B34-6834834DCD5E}" type="datetimeFigureOut">
               <a:rPr lang="ko-KR" altLang="en-US" smtClean="0"/>
-              <a:t>2020-07-02</a:t>
+              <a:t>2020-11-17</a:t>
             </a:fld>
             <a:endParaRPr lang="ko-KR" altLang="en-US"/>
           </a:p>
@@ -934,7 +934,7 @@
             <a:fld id="{B61BEF0D-F0BB-DE4B-95CE-6DB70DBA9567}" type="datetimeFigureOut">
               <a:rPr lang="en-US" dirty="0"/>
               <a:pPr/>
-              <a:t>7/2/2020</a:t>
+              <a:t>11/17/2020</a:t>
             </a:fld>
             <a:endParaRPr lang="en-US" dirty="0"/>
           </a:p>
@@ -1182,7 +1182,7 @@
             <a:fld id="{B61BEF0D-F0BB-DE4B-95CE-6DB70DBA9567}" type="datetimeFigureOut">
               <a:rPr lang="en-US" dirty="0"/>
               <a:pPr/>
-              <a:t>7/2/2020</a:t>
+              <a:t>11/17/2020</a:t>
             </a:fld>
             <a:endParaRPr lang="en-US" dirty="0"/>
           </a:p>
@@ -1493,7 +1493,7 @@
             <a:fld id="{B61BEF0D-F0BB-DE4B-95CE-6DB70DBA9567}" type="datetimeFigureOut">
               <a:rPr lang="en-US" dirty="0"/>
               <a:pPr/>
-              <a:t>7/2/2020</a:t>
+              <a:t>11/17/2020</a:t>
             </a:fld>
             <a:endParaRPr lang="en-US" dirty="0"/>
           </a:p>
@@ -1817,7 +1817,7 @@
             <a:fld id="{B61BEF0D-F0BB-DE4B-95CE-6DB70DBA9567}" type="datetimeFigureOut">
               <a:rPr lang="en-US" dirty="0"/>
               <a:pPr/>
-              <a:t>7/2/2020</a:t>
+              <a:t>11/17/2020</a:t>
             </a:fld>
             <a:endParaRPr lang="en-US" dirty="0"/>
           </a:p>
@@ -2128,7 +2128,7 @@
             <a:fld id="{B61BEF0D-F0BB-DE4B-95CE-6DB70DBA9567}" type="datetimeFigureOut">
               <a:rPr lang="en-US" dirty="0"/>
               <a:pPr/>
-              <a:t>7/2/2020</a:t>
+              <a:t>11/17/2020</a:t>
             </a:fld>
             <a:endParaRPr lang="en-US" dirty="0"/>
           </a:p>
@@ -2512,7 +2512,7 @@
             <a:fld id="{B61BEF0D-F0BB-DE4B-95CE-6DB70DBA9567}" type="datetimeFigureOut">
               <a:rPr lang="en-US" dirty="0"/>
               <a:pPr/>
-              <a:t>7/2/2020</a:t>
+              <a:t>11/17/2020</a:t>
             </a:fld>
             <a:endParaRPr lang="en-US" dirty="0"/>
           </a:p>
@@ -2678,7 +2678,7 @@
           <a:p>
             <a:fld id="{55C6B4A9-1611-4792-9094-5F34BCA07E0B}" type="datetimeFigureOut">
               <a:rPr lang="en-US" dirty="0"/>
-              <a:t>7/2/2020</a:t>
+              <a:t>11/17/2020</a:t>
             </a:fld>
             <a:endParaRPr lang="en-US" dirty="0"/>
           </a:p>
@@ -2854,7 +2854,7 @@
             <a:fld id="{B61BEF0D-F0BB-DE4B-95CE-6DB70DBA9567}" type="datetimeFigureOut">
               <a:rPr lang="en-US" dirty="0"/>
               <a:pPr/>
-              <a:t>7/2/2020</a:t>
+              <a:t>11/17/2020</a:t>
             </a:fld>
             <a:endParaRPr lang="en-US" dirty="0"/>
           </a:p>
@@ -3020,7 +3020,7 @@
           <a:p>
             <a:fld id="{42A54C80-263E-416B-A8E0-580EDEADCBDC}" type="datetimeFigureOut">
               <a:rPr lang="en-US" dirty="0"/>
-              <a:t>7/2/2020</a:t>
+              <a:t>11/17/2020</a:t>
             </a:fld>
             <a:endParaRPr lang="en-US" dirty="0"/>
           </a:p>
@@ -3265,7 +3265,7 @@
             <a:fld id="{B61BEF0D-F0BB-DE4B-95CE-6DB70DBA9567}" type="datetimeFigureOut">
               <a:rPr lang="en-US" dirty="0"/>
               <a:pPr/>
-              <a:t>7/2/2020</a:t>
+              <a:t>11/17/2020</a:t>
             </a:fld>
             <a:endParaRPr lang="en-US" dirty="0"/>
           </a:p>
@@ -3493,7 +3493,7 @@
           <a:p>
             <a:fld id="{42A54C80-263E-416B-A8E0-580EDEADCBDC}" type="datetimeFigureOut">
               <a:rPr lang="en-US" dirty="0"/>
-              <a:t>7/2/2020</a:t>
+              <a:t>11/17/2020</a:t>
             </a:fld>
             <a:endParaRPr lang="en-US" dirty="0"/>
           </a:p>
@@ -3863,7 +3863,7 @@
             <a:fld id="{B61BEF0D-F0BB-DE4B-95CE-6DB70DBA9567}" type="datetimeFigureOut">
               <a:rPr lang="en-US" dirty="0"/>
               <a:pPr/>
-              <a:t>7/2/2020</a:t>
+              <a:t>11/17/2020</a:t>
             </a:fld>
             <a:endParaRPr lang="en-US" dirty="0"/>
           </a:p>
@@ -3983,7 +3983,7 @@
             <a:fld id="{B61BEF0D-F0BB-DE4B-95CE-6DB70DBA9567}" type="datetimeFigureOut">
               <a:rPr lang="en-US" dirty="0"/>
               <a:pPr/>
-              <a:t>7/2/2020</a:t>
+              <a:t>11/17/2020</a:t>
             </a:fld>
             <a:endParaRPr lang="en-US" dirty="0"/>
           </a:p>
@@ -4075,7 +4075,7 @@
             <a:fld id="{B61BEF0D-F0BB-DE4B-95CE-6DB70DBA9567}" type="datetimeFigureOut">
               <a:rPr lang="en-US" dirty="0"/>
               <a:pPr/>
-              <a:t>7/2/2020</a:t>
+              <a:t>11/17/2020</a:t>
             </a:fld>
             <a:endParaRPr lang="en-US" dirty="0"/>
           </a:p>
@@ -4326,7 +4326,7 @@
           <a:p>
             <a:fld id="{42A54C80-263E-416B-A8E0-580EDEADCBDC}" type="datetimeFigureOut">
               <a:rPr lang="en-US" dirty="0"/>
-              <a:t>7/2/2020</a:t>
+              <a:t>11/17/2020</a:t>
             </a:fld>
             <a:endParaRPr lang="en-US" dirty="0"/>
           </a:p>
@@ -4585,7 +4585,7 @@
             <a:fld id="{B61BEF0D-F0BB-DE4B-95CE-6DB70DBA9567}" type="datetimeFigureOut">
               <a:rPr lang="en-US" dirty="0"/>
               <a:pPr/>
-              <a:t>7/2/2020</a:t>
+              <a:t>11/17/2020</a:t>
             </a:fld>
             <a:endParaRPr lang="en-US" dirty="0"/>
           </a:p>
@@ -4795,7 +4795,7 @@
             <a:fld id="{B61BEF0D-F0BB-DE4B-95CE-6DB70DBA9567}" type="datetimeFigureOut">
               <a:rPr lang="en-US" dirty="0"/>
               <a:pPr/>
-              <a:t>7/2/2020</a:t>
+              <a:t>11/17/2020</a:t>
             </a:fld>
             <a:endParaRPr lang="en-US" dirty="0"/>
           </a:p>
@@ -8755,7 +8755,15 @@
           <a:p>
             <a:r>
               <a:rPr lang="ko-KR" altLang="en-US" dirty="0"/>
-              <a:t>설치 디스크를 넣고 가상머신을 시동하여 설지 작업을 진행합니다</a:t>
+              <a:t>설치 디스크를 넣고 가상머신을 </a:t>
+            </a:r>
+            <a:r>
+              <a:rPr lang="ko-KR" altLang="en-US"/>
+              <a:t>시동하여 설치 </a:t>
+            </a:r>
+            <a:r>
+              <a:rPr lang="ko-KR" altLang="en-US" dirty="0"/>
+              <a:t>작업을 진행합니다</a:t>
             </a:r>
             <a:r>
               <a:rPr lang="en-US" altLang="ko-KR" dirty="0"/>
